--- a/Jose’s Health Data Cavalcade Extravaganza!.pptx
+++ b/Jose’s Health Data Cavalcade Extravaganza!.pptx
@@ -9,6 +9,7 @@
     <p:sldId id="257" r:id="rId3"/>
     <p:sldId id="258" r:id="rId4"/>
     <p:sldId id="259" r:id="rId5"/>
+    <p:sldId id="260" r:id="rId6"/>
   </p:sldIdLst>
   <p:sldSz cx="12192000" cy="6858000"/>
   <p:notesSz cx="6858000" cy="9144000"/>
@@ -116,9 +117,13 @@
             <p14:sldId id="257"/>
             <p14:sldId id="258"/>
             <p14:sldId id="259"/>
+            <p14:sldId id="260"/>
           </p14:sldIdLst>
         </p14:section>
       </p14:sectionLst>
+    </p:ext>
+    <p:ext uri="{EFAFB233-063F-42B5-8137-9DF3F51BA10A}">
+      <p15:sldGuideLst xmlns:p15="http://schemas.microsoft.com/office/powerpoint/2012/main"/>
     </p:ext>
   </p:extLst>
 </p:presentation>
@@ -3632,6 +3637,41 @@
           <a:chExt cx="0" cy="0"/>
         </a:xfrm>
       </p:grpSpPr>
+      <p:pic>
+        <p:nvPicPr>
+          <p:cNvPr id="5" name="Content Placeholder 4">
+            <a:extLst>
+              <a:ext uri="{FF2B5EF4-FFF2-40B4-BE49-F238E27FC236}">
+                <a16:creationId xmlns:a16="http://schemas.microsoft.com/office/drawing/2014/main" id="{00AB5C40-0B49-44E3-9659-6B5A6A1B2892}"/>
+              </a:ext>
+            </a:extLst>
+          </p:cNvPr>
+          <p:cNvPicPr>
+            <a:picLocks noGrp="1" noChangeAspect="1"/>
+          </p:cNvPicPr>
+          <p:nvPr>
+            <p:ph idx="1"/>
+          </p:nvPr>
+        </p:nvPicPr>
+        <p:blipFill>
+          <a:blip r:embed="rId2">
+            <a:extLst>
+              <a:ext uri="{28A0092B-C50C-407E-A947-70E740481C1C}">
+                <a14:useLocalDpi xmlns:a14="http://schemas.microsoft.com/office/drawing/2010/main" val="0"/>
+              </a:ext>
+            </a:extLst>
+          </a:blip>
+          <a:stretch>
+            <a:fillRect/>
+          </a:stretch>
+        </p:blipFill>
+        <p:spPr>
+          <a:xfrm>
+            <a:off x="109780" y="1250460"/>
+            <a:ext cx="10337558" cy="5168779"/>
+          </a:xfrm>
+        </p:spPr>
+      </p:pic>
       <p:sp>
         <p:nvSpPr>
           <p:cNvPr id="2" name="Title 1">
@@ -3653,32 +3693,10 @@
           <a:bodyPr/>
           <a:lstStyle/>
           <a:p>
-            <a:endParaRPr lang="en-US"/>
-          </a:p>
-        </p:txBody>
-      </p:sp>
-      <p:sp>
-        <p:nvSpPr>
-          <p:cNvPr id="3" name="Content Placeholder 2">
-            <a:extLst>
-              <a:ext uri="{FF2B5EF4-FFF2-40B4-BE49-F238E27FC236}">
-                <a16:creationId xmlns:a16="http://schemas.microsoft.com/office/drawing/2014/main" id="{23548E71-E05C-4231-B8CA-E7EF904CF0D0}"/>
-              </a:ext>
-            </a:extLst>
-          </p:cNvPr>
-          <p:cNvSpPr>
-            <a:spLocks noGrp="1"/>
-          </p:cNvSpPr>
-          <p:nvPr>
-            <p:ph idx="1"/>
-          </p:nvPr>
-        </p:nvSpPr>
-        <p:spPr/>
-        <p:txBody>
-          <a:bodyPr/>
-          <a:lstStyle/>
-          <a:p>
-            <a:endParaRPr lang="en-US"/>
+            <a:r>
+              <a:rPr lang="en-US" dirty="0"/>
+              <a:t>Cancer Bins by year</a:t>
+            </a:r>
           </a:p>
         </p:txBody>
       </p:sp>
@@ -3686,6 +3704,99 @@
     <p:extLst>
       <p:ext uri="{BB962C8B-B14F-4D97-AF65-F5344CB8AC3E}">
         <p14:creationId xmlns:p14="http://schemas.microsoft.com/office/powerpoint/2010/main" val="211059564"/>
+      </p:ext>
+    </p:extLst>
+  </p:cSld>
+  <p:clrMapOvr>
+    <a:masterClrMapping/>
+  </p:clrMapOvr>
+</p:sld>
+</file>
+
+<file path=ppt/slides/slide5.xml><?xml version="1.0" encoding="utf-8"?>
+<p:sld xmlns:a="http://schemas.openxmlformats.org/drawingml/2006/main" xmlns:r="http://schemas.openxmlformats.org/officeDocument/2006/relationships" xmlns:p="http://schemas.openxmlformats.org/presentationml/2006/main">
+  <p:cSld>
+    <p:spTree>
+      <p:nvGrpSpPr>
+        <p:cNvPr id="1" name=""/>
+        <p:cNvGrpSpPr/>
+        <p:nvPr/>
+      </p:nvGrpSpPr>
+      <p:grpSpPr>
+        <a:xfrm>
+          <a:off x="0" y="0"/>
+          <a:ext cx="0" cy="0"/>
+          <a:chOff x="0" y="0"/>
+          <a:chExt cx="0" cy="0"/>
+        </a:xfrm>
+      </p:grpSpPr>
+      <p:pic>
+        <p:nvPicPr>
+          <p:cNvPr id="5" name="Content Placeholder 4">
+            <a:extLst>
+              <a:ext uri="{FF2B5EF4-FFF2-40B4-BE49-F238E27FC236}">
+                <a16:creationId xmlns:a16="http://schemas.microsoft.com/office/drawing/2014/main" id="{F548E741-E9B4-4A04-849F-0DF705CA2FB3}"/>
+              </a:ext>
+            </a:extLst>
+          </p:cNvPr>
+          <p:cNvPicPr>
+            <a:picLocks noGrp="1" noChangeAspect="1"/>
+          </p:cNvPicPr>
+          <p:nvPr>
+            <p:ph idx="1"/>
+          </p:nvPr>
+        </p:nvPicPr>
+        <p:blipFill>
+          <a:blip r:embed="rId2">
+            <a:extLst>
+              <a:ext uri="{28A0092B-C50C-407E-A947-70E740481C1C}">
+                <a14:useLocalDpi xmlns:a14="http://schemas.microsoft.com/office/drawing/2010/main" val="0"/>
+              </a:ext>
+            </a:extLst>
+          </a:blip>
+          <a:stretch>
+            <a:fillRect/>
+          </a:stretch>
+        </p:blipFill>
+        <p:spPr>
+          <a:xfrm>
+            <a:off x="179754" y="1371417"/>
+            <a:ext cx="10267583" cy="5133792"/>
+          </a:xfrm>
+        </p:spPr>
+      </p:pic>
+      <p:sp>
+        <p:nvSpPr>
+          <p:cNvPr id="2" name="Title 1">
+            <a:extLst>
+              <a:ext uri="{FF2B5EF4-FFF2-40B4-BE49-F238E27FC236}">
+                <a16:creationId xmlns:a16="http://schemas.microsoft.com/office/drawing/2014/main" id="{FA94C9C2-9ED2-4F94-B468-FDD52ECF4B4A}"/>
+              </a:ext>
+            </a:extLst>
+          </p:cNvPr>
+          <p:cNvSpPr>
+            <a:spLocks noGrp="1"/>
+          </p:cNvSpPr>
+          <p:nvPr>
+            <p:ph type="title"/>
+          </p:nvPr>
+        </p:nvSpPr>
+        <p:spPr/>
+        <p:txBody>
+          <a:bodyPr/>
+          <a:lstStyle/>
+          <a:p>
+            <a:r>
+              <a:rPr lang="en-US" dirty="0"/>
+              <a:t>Suicide by State (Hot vs Cold)</a:t>
+            </a:r>
+          </a:p>
+        </p:txBody>
+      </p:sp>
+    </p:spTree>
+    <p:extLst>
+      <p:ext uri="{BB962C8B-B14F-4D97-AF65-F5344CB8AC3E}">
+        <p14:creationId xmlns:p14="http://schemas.microsoft.com/office/powerpoint/2010/main" val="3955243399"/>
       </p:ext>
     </p:extLst>
   </p:cSld>

--- a/Jose’s Health Data Cavalcade Extravaganza!.pptx
+++ b/Jose’s Health Data Cavalcade Extravaganza!.pptx
@@ -6,10 +6,8 @@
   </p:sldMasterIdLst>
   <p:sldIdLst>
     <p:sldId id="256" r:id="rId2"/>
-    <p:sldId id="257" r:id="rId3"/>
-    <p:sldId id="258" r:id="rId4"/>
-    <p:sldId id="259" r:id="rId5"/>
-    <p:sldId id="260" r:id="rId6"/>
+    <p:sldId id="260" r:id="rId3"/>
+    <p:sldId id="261" r:id="rId4"/>
   </p:sldIdLst>
   <p:sldSz cx="12192000" cy="6858000"/>
   <p:notesSz cx="6858000" cy="9144000"/>
@@ -114,10 +112,8 @@
         <p14:section name="Default Section" id="{B3C132DF-0CDD-489B-B307-BDF0DE24FC3E}">
           <p14:sldIdLst>
             <p14:sldId id="256"/>
-            <p14:sldId id="257"/>
-            <p14:sldId id="258"/>
-            <p14:sldId id="259"/>
             <p14:sldId id="260"/>
+            <p14:sldId id="261"/>
           </p14:sldIdLst>
         </p14:section>
       </p14:sectionLst>
@@ -3456,7 +3452,7 @@
           <p:cNvPr id="5" name="Content Placeholder 4">
             <a:extLst>
               <a:ext uri="{FF2B5EF4-FFF2-40B4-BE49-F238E27FC236}">
-                <a16:creationId xmlns:a16="http://schemas.microsoft.com/office/drawing/2014/main" id="{E8B3D263-7CA0-4152-8F60-B2D766060552}"/>
+                <a16:creationId xmlns:a16="http://schemas.microsoft.com/office/drawing/2014/main" id="{F548E741-E9B4-4A04-849F-0DF705CA2FB3}"/>
               </a:ext>
             </a:extLst>
           </p:cNvPr>
@@ -3481,8 +3477,8 @@
         </p:blipFill>
         <p:spPr>
           <a:xfrm>
-            <a:off x="171938" y="1039263"/>
-            <a:ext cx="10275399" cy="5137700"/>
+            <a:off x="179754" y="1371417"/>
+            <a:ext cx="10267583" cy="5133792"/>
           </a:xfrm>
         </p:spPr>
       </p:pic>
@@ -3491,7 +3487,7 @@
           <p:cNvPr id="2" name="Title 1">
             <a:extLst>
               <a:ext uri="{FF2B5EF4-FFF2-40B4-BE49-F238E27FC236}">
-                <a16:creationId xmlns:a16="http://schemas.microsoft.com/office/drawing/2014/main" id="{F88F29B7-DE59-4543-9A1B-7E70715F15D4}"/>
+                <a16:creationId xmlns:a16="http://schemas.microsoft.com/office/drawing/2014/main" id="{FA94C9C2-9ED2-4F94-B468-FDD52ECF4B4A}"/>
               </a:ext>
             </a:extLst>
           </p:cNvPr>
@@ -3509,7 +3505,7 @@
           <a:p>
             <a:r>
               <a:rPr lang="en-US" dirty="0"/>
-              <a:t>Bottom Causes of Death</a:t>
+              <a:t>Suicide by State (Hot vs Cold)</a:t>
             </a:r>
           </a:p>
         </p:txBody>
@@ -3517,7 +3513,7 @@
     </p:spTree>
     <p:extLst>
       <p:ext uri="{BB962C8B-B14F-4D97-AF65-F5344CB8AC3E}">
-        <p14:creationId xmlns:p14="http://schemas.microsoft.com/office/powerpoint/2010/main" val="2534491115"/>
+        <p14:creationId xmlns:p14="http://schemas.microsoft.com/office/powerpoint/2010/main" val="3955243399"/>
       </p:ext>
     </p:extLst>
   </p:cSld>
@@ -3544,12 +3540,40 @@
           <a:chExt cx="0" cy="0"/>
         </a:xfrm>
       </p:grpSpPr>
+      <p:sp>
+        <p:nvSpPr>
+          <p:cNvPr id="4" name="Title 3">
+            <a:extLst>
+              <a:ext uri="{FF2B5EF4-FFF2-40B4-BE49-F238E27FC236}">
+                <a16:creationId xmlns:a16="http://schemas.microsoft.com/office/drawing/2014/main" id="{6EF3FEFF-0DEA-4388-B118-A938718BF188}"/>
+              </a:ext>
+            </a:extLst>
+          </p:cNvPr>
+          <p:cNvSpPr>
+            <a:spLocks noGrp="1"/>
+          </p:cNvSpPr>
+          <p:nvPr>
+            <p:ph type="title"/>
+          </p:nvPr>
+        </p:nvSpPr>
+        <p:spPr/>
+        <p:txBody>
+          <a:bodyPr/>
+          <a:lstStyle/>
+          <a:p>
+            <a:r>
+              <a:rPr lang="en-US" dirty="0"/>
+              <a:t>Code and Analysis</a:t>
+            </a:r>
+          </a:p>
+        </p:txBody>
+      </p:sp>
       <p:pic>
         <p:nvPicPr>
-          <p:cNvPr id="5" name="Content Placeholder 4">
-            <a:extLst>
-              <a:ext uri="{FF2B5EF4-FFF2-40B4-BE49-F238E27FC236}">
-                <a16:creationId xmlns:a16="http://schemas.microsoft.com/office/drawing/2014/main" id="{314D3901-A57B-4B3D-8BF8-D00D301DE9DF}"/>
+          <p:cNvPr id="7" name="Content Placeholder 6">
+            <a:extLst>
+              <a:ext uri="{FF2B5EF4-FFF2-40B4-BE49-F238E27FC236}">
+                <a16:creationId xmlns:a16="http://schemas.microsoft.com/office/drawing/2014/main" id="{12F547BF-BCA0-4884-9302-DF8610F06F82}"/>
               </a:ext>
             </a:extLst>
           </p:cNvPr>
@@ -3557,92 +3581,31 @@
             <a:picLocks noGrp="1" noChangeAspect="1"/>
           </p:cNvPicPr>
           <p:nvPr>
-            <p:ph idx="1"/>
+            <p:ph sz="half" idx="1"/>
           </p:nvPr>
         </p:nvPicPr>
         <p:blipFill>
-          <a:blip r:embed="rId2">
-            <a:extLst>
-              <a:ext uri="{28A0092B-C50C-407E-A947-70E740481C1C}">
-                <a14:useLocalDpi xmlns:a14="http://schemas.microsoft.com/office/drawing/2010/main" val="0"/>
-              </a:ext>
-            </a:extLst>
-          </a:blip>
+          <a:blip r:embed="rId2"/>
           <a:stretch>
             <a:fillRect/>
           </a:stretch>
         </p:blipFill>
         <p:spPr>
           <a:xfrm>
-            <a:off x="359508" y="1133048"/>
-            <a:ext cx="10087830" cy="5043915"/>
+            <a:off x="330199" y="1555599"/>
+            <a:ext cx="5724349" cy="2555293"/>
           </a:xfrm>
+          <a:prstGeom prst="rect">
+            <a:avLst/>
+          </a:prstGeom>
         </p:spPr>
       </p:pic>
-      <p:sp>
-        <p:nvSpPr>
-          <p:cNvPr id="2" name="Title 1">
-            <a:extLst>
-              <a:ext uri="{FF2B5EF4-FFF2-40B4-BE49-F238E27FC236}">
-                <a16:creationId xmlns:a16="http://schemas.microsoft.com/office/drawing/2014/main" id="{1877EE47-BDE7-4A94-8FF6-5BB2FA2B78F9}"/>
-              </a:ext>
-            </a:extLst>
-          </p:cNvPr>
-          <p:cNvSpPr>
-            <a:spLocks noGrp="1"/>
-          </p:cNvSpPr>
-          <p:nvPr>
-            <p:ph type="title"/>
-          </p:nvPr>
-        </p:nvSpPr>
-        <p:spPr/>
-        <p:txBody>
-          <a:bodyPr/>
-          <a:lstStyle/>
-          <a:p>
-            <a:r>
-              <a:rPr lang="en-US" dirty="0"/>
-              <a:t>Top 2 Leading Causes of Death</a:t>
-            </a:r>
-          </a:p>
-        </p:txBody>
-      </p:sp>
-    </p:spTree>
-    <p:extLst>
-      <p:ext uri="{BB962C8B-B14F-4D97-AF65-F5344CB8AC3E}">
-        <p14:creationId xmlns:p14="http://schemas.microsoft.com/office/powerpoint/2010/main" val="2390433797"/>
-      </p:ext>
-    </p:extLst>
-  </p:cSld>
-  <p:clrMapOvr>
-    <a:masterClrMapping/>
-  </p:clrMapOvr>
-</p:sld>
-</file>
-
-<file path=ppt/slides/slide4.xml><?xml version="1.0" encoding="utf-8"?>
-<p:sld xmlns:a="http://schemas.openxmlformats.org/drawingml/2006/main" xmlns:r="http://schemas.openxmlformats.org/officeDocument/2006/relationships" xmlns:p="http://schemas.openxmlformats.org/presentationml/2006/main">
-  <p:cSld>
-    <p:spTree>
-      <p:nvGrpSpPr>
-        <p:cNvPr id="1" name=""/>
-        <p:cNvGrpSpPr/>
-        <p:nvPr/>
-      </p:nvGrpSpPr>
-      <p:grpSpPr>
-        <a:xfrm>
-          <a:off x="0" y="0"/>
-          <a:ext cx="0" cy="0"/>
-          <a:chOff x="0" y="0"/>
-          <a:chExt cx="0" cy="0"/>
-        </a:xfrm>
-      </p:grpSpPr>
       <p:pic>
         <p:nvPicPr>
-          <p:cNvPr id="5" name="Content Placeholder 4">
-            <a:extLst>
-              <a:ext uri="{FF2B5EF4-FFF2-40B4-BE49-F238E27FC236}">
-                <a16:creationId xmlns:a16="http://schemas.microsoft.com/office/drawing/2014/main" id="{00AB5C40-0B49-44E3-9659-6B5A6A1B2892}"/>
+          <p:cNvPr id="8" name="Content Placeholder 7">
+            <a:extLst>
+              <a:ext uri="{FF2B5EF4-FFF2-40B4-BE49-F238E27FC236}">
+                <a16:creationId xmlns:a16="http://schemas.microsoft.com/office/drawing/2014/main" id="{08CAC521-E163-487A-89A8-DF2EF95CD89F}"/>
               </a:ext>
             </a:extLst>
           </p:cNvPr>
@@ -3650,153 +3613,29 @@
             <a:picLocks noGrp="1" noChangeAspect="1"/>
           </p:cNvPicPr>
           <p:nvPr>
-            <p:ph idx="1"/>
+            <p:ph sz="half" idx="2"/>
           </p:nvPr>
         </p:nvPicPr>
         <p:blipFill>
-          <a:blip r:embed="rId2">
-            <a:extLst>
-              <a:ext uri="{28A0092B-C50C-407E-A947-70E740481C1C}">
-                <a14:useLocalDpi xmlns:a14="http://schemas.microsoft.com/office/drawing/2010/main" val="0"/>
-              </a:ext>
-            </a:extLst>
-          </a:blip>
+          <a:blip r:embed="rId3"/>
           <a:stretch>
             <a:fillRect/>
           </a:stretch>
         </p:blipFill>
         <p:spPr>
           <a:xfrm>
-            <a:off x="109780" y="1250460"/>
-            <a:ext cx="10337558" cy="5168779"/>
+            <a:off x="6172200" y="2290753"/>
+            <a:ext cx="5181600" cy="3421081"/>
           </a:xfrm>
+          <a:prstGeom prst="rect">
+            <a:avLst/>
+          </a:prstGeom>
         </p:spPr>
       </p:pic>
-      <p:sp>
-        <p:nvSpPr>
-          <p:cNvPr id="2" name="Title 1">
-            <a:extLst>
-              <a:ext uri="{FF2B5EF4-FFF2-40B4-BE49-F238E27FC236}">
-                <a16:creationId xmlns:a16="http://schemas.microsoft.com/office/drawing/2014/main" id="{B8A0D47A-7F40-45CF-942A-BBDED076FBEF}"/>
-              </a:ext>
-            </a:extLst>
-          </p:cNvPr>
-          <p:cNvSpPr>
-            <a:spLocks noGrp="1"/>
-          </p:cNvSpPr>
-          <p:nvPr>
-            <p:ph type="title"/>
-          </p:nvPr>
-        </p:nvSpPr>
-        <p:spPr/>
-        <p:txBody>
-          <a:bodyPr/>
-          <a:lstStyle/>
-          <a:p>
-            <a:r>
-              <a:rPr lang="en-US" dirty="0"/>
-              <a:t>Cancer Bins by year</a:t>
-            </a:r>
-          </a:p>
-        </p:txBody>
-      </p:sp>
     </p:spTree>
     <p:extLst>
       <p:ext uri="{BB962C8B-B14F-4D97-AF65-F5344CB8AC3E}">
-        <p14:creationId xmlns:p14="http://schemas.microsoft.com/office/powerpoint/2010/main" val="211059564"/>
-      </p:ext>
-    </p:extLst>
-  </p:cSld>
-  <p:clrMapOvr>
-    <a:masterClrMapping/>
-  </p:clrMapOvr>
-</p:sld>
-</file>
-
-<file path=ppt/slides/slide5.xml><?xml version="1.0" encoding="utf-8"?>
-<p:sld xmlns:a="http://schemas.openxmlformats.org/drawingml/2006/main" xmlns:r="http://schemas.openxmlformats.org/officeDocument/2006/relationships" xmlns:p="http://schemas.openxmlformats.org/presentationml/2006/main">
-  <p:cSld>
-    <p:spTree>
-      <p:nvGrpSpPr>
-        <p:cNvPr id="1" name=""/>
-        <p:cNvGrpSpPr/>
-        <p:nvPr/>
-      </p:nvGrpSpPr>
-      <p:grpSpPr>
-        <a:xfrm>
-          <a:off x="0" y="0"/>
-          <a:ext cx="0" cy="0"/>
-          <a:chOff x="0" y="0"/>
-          <a:chExt cx="0" cy="0"/>
-        </a:xfrm>
-      </p:grpSpPr>
-      <p:pic>
-        <p:nvPicPr>
-          <p:cNvPr id="5" name="Content Placeholder 4">
-            <a:extLst>
-              <a:ext uri="{FF2B5EF4-FFF2-40B4-BE49-F238E27FC236}">
-                <a16:creationId xmlns:a16="http://schemas.microsoft.com/office/drawing/2014/main" id="{F548E741-E9B4-4A04-849F-0DF705CA2FB3}"/>
-              </a:ext>
-            </a:extLst>
-          </p:cNvPr>
-          <p:cNvPicPr>
-            <a:picLocks noGrp="1" noChangeAspect="1"/>
-          </p:cNvPicPr>
-          <p:nvPr>
-            <p:ph idx="1"/>
-          </p:nvPr>
-        </p:nvPicPr>
-        <p:blipFill>
-          <a:blip r:embed="rId2">
-            <a:extLst>
-              <a:ext uri="{28A0092B-C50C-407E-A947-70E740481C1C}">
-                <a14:useLocalDpi xmlns:a14="http://schemas.microsoft.com/office/drawing/2010/main" val="0"/>
-              </a:ext>
-            </a:extLst>
-          </a:blip>
-          <a:stretch>
-            <a:fillRect/>
-          </a:stretch>
-        </p:blipFill>
-        <p:spPr>
-          <a:xfrm>
-            <a:off x="179754" y="1371417"/>
-            <a:ext cx="10267583" cy="5133792"/>
-          </a:xfrm>
-        </p:spPr>
-      </p:pic>
-      <p:sp>
-        <p:nvSpPr>
-          <p:cNvPr id="2" name="Title 1">
-            <a:extLst>
-              <a:ext uri="{FF2B5EF4-FFF2-40B4-BE49-F238E27FC236}">
-                <a16:creationId xmlns:a16="http://schemas.microsoft.com/office/drawing/2014/main" id="{FA94C9C2-9ED2-4F94-B468-FDD52ECF4B4A}"/>
-              </a:ext>
-            </a:extLst>
-          </p:cNvPr>
-          <p:cNvSpPr>
-            <a:spLocks noGrp="1"/>
-          </p:cNvSpPr>
-          <p:nvPr>
-            <p:ph type="title"/>
-          </p:nvPr>
-        </p:nvSpPr>
-        <p:spPr/>
-        <p:txBody>
-          <a:bodyPr/>
-          <a:lstStyle/>
-          <a:p>
-            <a:r>
-              <a:rPr lang="en-US" dirty="0"/>
-              <a:t>Suicide by State (Hot vs Cold)</a:t>
-            </a:r>
-          </a:p>
-        </p:txBody>
-      </p:sp>
-    </p:spTree>
-    <p:extLst>
-      <p:ext uri="{BB962C8B-B14F-4D97-AF65-F5344CB8AC3E}">
-        <p14:creationId xmlns:p14="http://schemas.microsoft.com/office/powerpoint/2010/main" val="3955243399"/>
+        <p14:creationId xmlns:p14="http://schemas.microsoft.com/office/powerpoint/2010/main" val="3470638616"/>
       </p:ext>
     </p:extLst>
   </p:cSld>
